--- a/14聖靈恩賜.pptx
+++ b/14聖靈恩賜.pptx
@@ -9,9 +9,8 @@
     <p:sldId id="266" r:id="rId3"/>
     <p:sldId id="267" r:id="rId4"/>
     <p:sldId id="268" r:id="rId5"/>
-    <p:sldId id="269" r:id="rId6"/>
-    <p:sldId id="270" r:id="rId7"/>
-    <p:sldId id="271" r:id="rId8"/>
+    <p:sldId id="270" r:id="rId6"/>
+    <p:sldId id="271" r:id="rId7"/>
   </p:sldIdLst>
   <p:sldSz cx="12192000" cy="6858000"/>
   <p:notesSz cx="6858000" cy="9144000"/>
@@ -311,7 +310,7 @@
             <a:fld id="{86B5546F-C09B-4E63-ABC5-F7C86A7E8D66}" type="datetimeFigureOut">
               <a:rPr lang="en-US" smtClean="0"/>
               <a:pPr/>
-              <a:t>7/16/2020</a:t>
+              <a:t>12/11/2020</a:t>
             </a:fld>
             <a:endParaRPr lang="en-US"/>
           </a:p>
@@ -483,7 +482,7 @@
             <a:fld id="{86B5546F-C09B-4E63-ABC5-F7C86A7E8D66}" type="datetimeFigureOut">
               <a:rPr lang="en-US" smtClean="0"/>
               <a:pPr/>
-              <a:t>7/16/2020</a:t>
+              <a:t>12/11/2020</a:t>
             </a:fld>
             <a:endParaRPr lang="en-US"/>
           </a:p>
@@ -665,7 +664,7 @@
             <a:fld id="{86B5546F-C09B-4E63-ABC5-F7C86A7E8D66}" type="datetimeFigureOut">
               <a:rPr lang="en-US" smtClean="0"/>
               <a:pPr/>
-              <a:t>7/16/2020</a:t>
+              <a:t>12/11/2020</a:t>
             </a:fld>
             <a:endParaRPr lang="en-US"/>
           </a:p>
@@ -837,7 +836,7 @@
             <a:fld id="{86B5546F-C09B-4E63-ABC5-F7C86A7E8D66}" type="datetimeFigureOut">
               <a:rPr lang="en-US" smtClean="0"/>
               <a:pPr/>
-              <a:t>7/16/2020</a:t>
+              <a:t>12/11/2020</a:t>
             </a:fld>
             <a:endParaRPr lang="en-US"/>
           </a:p>
@@ -1085,7 +1084,7 @@
             <a:fld id="{86B5546F-C09B-4E63-ABC5-F7C86A7E8D66}" type="datetimeFigureOut">
               <a:rPr lang="en-US" smtClean="0"/>
               <a:pPr/>
-              <a:t>7/16/2020</a:t>
+              <a:t>12/11/2020</a:t>
             </a:fld>
             <a:endParaRPr lang="en-US"/>
           </a:p>
@@ -1375,7 +1374,7 @@
             <a:fld id="{86B5546F-C09B-4E63-ABC5-F7C86A7E8D66}" type="datetimeFigureOut">
               <a:rPr lang="en-US" smtClean="0"/>
               <a:pPr/>
-              <a:t>7/16/2020</a:t>
+              <a:t>12/11/2020</a:t>
             </a:fld>
             <a:endParaRPr lang="en-US"/>
           </a:p>
@@ -1799,7 +1798,7 @@
             <a:fld id="{86B5546F-C09B-4E63-ABC5-F7C86A7E8D66}" type="datetimeFigureOut">
               <a:rPr lang="en-US" smtClean="0"/>
               <a:pPr/>
-              <a:t>7/16/2020</a:t>
+              <a:t>12/11/2020</a:t>
             </a:fld>
             <a:endParaRPr lang="en-US"/>
           </a:p>
@@ -1919,7 +1918,7 @@
             <a:fld id="{86B5546F-C09B-4E63-ABC5-F7C86A7E8D66}" type="datetimeFigureOut">
               <a:rPr lang="en-US" smtClean="0"/>
               <a:pPr/>
-              <a:t>7/16/2020</a:t>
+              <a:t>12/11/2020</a:t>
             </a:fld>
             <a:endParaRPr lang="en-US"/>
           </a:p>
@@ -2016,7 +2015,7 @@
             <a:fld id="{86B5546F-C09B-4E63-ABC5-F7C86A7E8D66}" type="datetimeFigureOut">
               <a:rPr lang="en-US" smtClean="0"/>
               <a:pPr/>
-              <a:t>7/16/2020</a:t>
+              <a:t>12/11/2020</a:t>
             </a:fld>
             <a:endParaRPr lang="en-US"/>
           </a:p>
@@ -2295,7 +2294,7 @@
             <a:fld id="{86B5546F-C09B-4E63-ABC5-F7C86A7E8D66}" type="datetimeFigureOut">
               <a:rPr lang="en-US" smtClean="0"/>
               <a:pPr/>
-              <a:t>7/16/2020</a:t>
+              <a:t>12/11/2020</a:t>
             </a:fld>
             <a:endParaRPr lang="en-US"/>
           </a:p>
@@ -2554,7 +2553,7 @@
             <a:fld id="{86B5546F-C09B-4E63-ABC5-F7C86A7E8D66}" type="datetimeFigureOut">
               <a:rPr lang="en-US" smtClean="0"/>
               <a:pPr/>
-              <a:t>7/16/2020</a:t>
+              <a:t>12/11/2020</a:t>
             </a:fld>
             <a:endParaRPr lang="en-US"/>
           </a:p>
@@ -2774,7 +2773,7 @@
             <a:fld id="{86B5546F-C09B-4E63-ABC5-F7C86A7E8D66}" type="datetimeFigureOut">
               <a:rPr lang="en-US" smtClean="0"/>
               <a:pPr/>
-              <a:t>7/16/2020</a:t>
+              <a:t>12/11/2020</a:t>
             </a:fld>
             <a:endParaRPr lang="en-US"/>
           </a:p>
@@ -3167,6 +3166,23 @@
           </a:bodyPr>
           <a:lstStyle/>
           <a:p>
+            <a:r>
+              <a:rPr lang="zh-CN" altLang="en-US" sz="9600" b="1" dirty="0" smtClean="0">
+                <a:solidFill>
+                  <a:srgbClr val="660033"/>
+                </a:solidFill>
+                <a:effectLst>
+                  <a:outerShdw blurRad="38100" dist="38100" dir="2700000" algn="tl">
+                    <a:srgbClr val="000000">
+                      <a:alpha val="43137"/>
+                    </a:srgbClr>
+                  </a:outerShdw>
+                </a:effectLst>
+                <a:latin typeface="微軟正黑體" pitchFamily="34" charset="-120"/>
+                <a:ea typeface="微軟正黑體" pitchFamily="34" charset="-120"/>
+              </a:rPr>
+              <a:t>聖靈恩賜</a:t>
+            </a:r>
             <a:endParaRPr lang="en-US" sz="9600" b="1" dirty="0">
               <a:solidFill>
                 <a:srgbClr val="660033"/>
@@ -3374,37 +3390,17 @@
                 <a:latin typeface="微軟正黑體" pitchFamily="34" charset="-120"/>
                 <a:ea typeface="微軟正黑體" pitchFamily="34" charset="-120"/>
               </a:rPr>
-              <a:t>恩</a:t>
-            </a:r>
-            <a:r>
-              <a:rPr lang="zh-TW" altLang="en-US" sz="6400" b="1" dirty="0">
+              <a:t>恩賜原有分別，聖靈卻是一位。 </a:t>
+            </a:r>
+            <a:r>
+              <a:rPr lang="zh-CN" altLang="en-US" sz="6400" b="1" dirty="0">
                 <a:solidFill>
                   <a:srgbClr val="660033"/>
                 </a:solidFill>
                 <a:latin typeface="微軟正黑體" pitchFamily="34" charset="-120"/>
                 <a:ea typeface="微軟正黑體" pitchFamily="34" charset="-120"/>
               </a:rPr>
-              <a:t>賜原有分別，聖靈卻是一位。 </a:t>
-            </a:r>
-            <a:r>
-              <a:rPr lang="zh-CN" altLang="en-US" sz="6400" b="1" dirty="0">
-                <a:solidFill>
-                  <a:srgbClr val="660033"/>
-                </a:solidFill>
-                <a:latin typeface="微軟正黑體" pitchFamily="34" charset="-120"/>
-                <a:ea typeface="微軟正黑體" pitchFamily="34" charset="-120"/>
-              </a:rPr>
-              <a:t>職</a:t>
-            </a:r>
-            <a:r>
-              <a:rPr lang="zh-CN" altLang="en-US" sz="6400" b="1" dirty="0">
-                <a:solidFill>
-                  <a:srgbClr val="660033"/>
-                </a:solidFill>
-                <a:latin typeface="微軟正黑體" pitchFamily="34" charset="-120"/>
-                <a:ea typeface="微軟正黑體" pitchFamily="34" charset="-120"/>
-              </a:rPr>
-              <a:t>事也有分別，主卻是一位。 </a:t>
+              <a:t>職事也有分別，主卻是一位。 </a:t>
             </a:r>
             <a:endParaRPr lang="en-US" altLang="zh-TW" sz="6400" b="1" dirty="0">
               <a:solidFill>
@@ -3476,27 +3472,7 @@
                 <a:latin typeface="微軟正黑體" pitchFamily="34" charset="-120"/>
                 <a:ea typeface="微軟正黑體" pitchFamily="34" charset="-120"/>
               </a:rPr>
-              <a:t>功用也有分別，神卻是一位，在眾人裡面運行一切的事</a:t>
-            </a:r>
-            <a:r>
-              <a:rPr lang="zh-TW" altLang="en-US" sz="6400" dirty="0">
-                <a:solidFill>
-                  <a:srgbClr val="660033"/>
-                </a:solidFill>
-                <a:latin typeface="微軟正黑體" pitchFamily="34" charset="-120"/>
-                <a:ea typeface="微軟正黑體" pitchFamily="34" charset="-120"/>
-              </a:rPr>
-              <a:t>。聖</a:t>
-            </a:r>
-            <a:r>
-              <a:rPr lang="zh-TW" altLang="en-US" sz="6400" dirty="0">
-                <a:solidFill>
-                  <a:srgbClr val="660033"/>
-                </a:solidFill>
-                <a:latin typeface="微軟正黑體" pitchFamily="34" charset="-120"/>
-                <a:ea typeface="微軟正黑體" pitchFamily="34" charset="-120"/>
-              </a:rPr>
-              <a:t>靈顯在各人身上，是叫人得益處</a:t>
+              <a:t>功用也有分別，神卻是一位，在眾人裡面運行一切的事。聖靈顯在各人身上，是叫人得益處</a:t>
             </a:r>
             <a:r>
               <a:rPr lang="zh-TW" altLang="en-US" sz="6400" dirty="0" smtClean="0">
@@ -3588,20 +3564,10 @@
                 <a:latin typeface="微軟正黑體" pitchFamily="34" charset="-120"/>
                 <a:ea typeface="微軟正黑體" pitchFamily="34" charset="-120"/>
               </a:rPr>
-              <a:t>人蒙聖靈賜他智慧的言語，那人也蒙這位聖靈賜他知識的言</a:t>
-            </a:r>
-            <a:r>
-              <a:rPr lang="zh-TW" altLang="en-US" sz="6400" b="1" dirty="0">
-                <a:solidFill>
-                  <a:srgbClr val="660033"/>
-                </a:solidFill>
-                <a:latin typeface="微軟正黑體" pitchFamily="34" charset="-120"/>
-                <a:ea typeface="微軟正黑體" pitchFamily="34" charset="-120"/>
-              </a:rPr>
-              <a:t>語</a:t>
-            </a:r>
-            <a:r>
-              <a:rPr lang="zh-TW" altLang="en-US" sz="6400" b="1" dirty="0">
+              <a:t>人蒙聖靈賜他智慧的言語，那人也蒙這位聖靈賜他知識的言語</a:t>
+            </a:r>
+            <a:r>
+              <a:rPr lang="zh-TW" altLang="en-US" sz="6400" b="1" dirty="0" smtClean="0">
                 <a:solidFill>
                   <a:srgbClr val="660033"/>
                 </a:solidFill>
@@ -3610,7 +3576,36 @@
               </a:rPr>
               <a:t>。</a:t>
             </a:r>
-            <a:endParaRPr lang="en-US" altLang="zh-TW" sz="6400" b="1" dirty="0">
+            <a:endParaRPr lang="en-US" altLang="zh-TW" sz="6400" b="1" dirty="0" smtClean="0">
+              <a:solidFill>
+                <a:srgbClr val="660033"/>
+              </a:solidFill>
+              <a:latin typeface="微軟正黑體" pitchFamily="34" charset="-120"/>
+              <a:ea typeface="微軟正黑體" pitchFamily="34" charset="-120"/>
+            </a:endParaRPr>
+          </a:p>
+          <a:p>
+            <a:r>
+              <a:rPr lang="zh-TW" altLang="en-US" sz="6400" dirty="0">
+                <a:solidFill>
+                  <a:srgbClr val="660033"/>
+                </a:solidFill>
+                <a:latin typeface="微軟正黑體" pitchFamily="34" charset="-120"/>
+                <a:ea typeface="微軟正黑體" pitchFamily="34" charset="-120"/>
+              </a:rPr>
+              <a:t>又有一人蒙這位聖靈賜他信心，還有一人蒙這位聖靈賜他醫病的恩賜</a:t>
+            </a:r>
+            <a:r>
+              <a:rPr lang="zh-TW" altLang="en-US" sz="6400" dirty="0" smtClean="0">
+                <a:solidFill>
+                  <a:srgbClr val="660033"/>
+                </a:solidFill>
+                <a:latin typeface="微軟正黑體" pitchFamily="34" charset="-120"/>
+                <a:ea typeface="微軟正黑體" pitchFamily="34" charset="-120"/>
+              </a:rPr>
+              <a:t>。</a:t>
+            </a:r>
+            <a:endParaRPr lang="en-US" altLang="zh-TW" sz="6400" dirty="0">
               <a:solidFill>
                 <a:srgbClr val="660033"/>
               </a:solidFill>
@@ -3673,98 +3668,6 @@
           <a:lstStyle/>
           <a:p>
             <a:r>
-              <a:rPr lang="zh-TW" altLang="en-US" sz="6400" dirty="0">
-                <a:solidFill>
-                  <a:srgbClr val="660033"/>
-                </a:solidFill>
-                <a:latin typeface="微軟正黑體" pitchFamily="34" charset="-120"/>
-                <a:ea typeface="微軟正黑體" pitchFamily="34" charset="-120"/>
-              </a:rPr>
-              <a:t>又有一人蒙這位聖靈賜他信心，還有一人蒙這位聖靈賜他醫病的恩</a:t>
-            </a:r>
-            <a:r>
-              <a:rPr lang="zh-TW" altLang="en-US" sz="6400" dirty="0">
-                <a:solidFill>
-                  <a:srgbClr val="660033"/>
-                </a:solidFill>
-                <a:latin typeface="微軟正黑體" pitchFamily="34" charset="-120"/>
-                <a:ea typeface="微軟正黑體" pitchFamily="34" charset="-120"/>
-              </a:rPr>
-              <a:t>賜</a:t>
-            </a:r>
-            <a:r>
-              <a:rPr lang="zh-TW" altLang="en-US" sz="6400" dirty="0" smtClean="0">
-                <a:solidFill>
-                  <a:srgbClr val="660033"/>
-                </a:solidFill>
-                <a:latin typeface="微軟正黑體" pitchFamily="34" charset="-120"/>
-                <a:ea typeface="微軟正黑體" pitchFamily="34" charset="-120"/>
-              </a:rPr>
-              <a:t>。</a:t>
-            </a:r>
-            <a:endParaRPr lang="en-US" altLang="zh-TW" sz="6400" dirty="0" smtClean="0">
-              <a:solidFill>
-                <a:srgbClr val="660033"/>
-              </a:solidFill>
-              <a:latin typeface="微軟正黑體" pitchFamily="34" charset="-120"/>
-              <a:ea typeface="微軟正黑體" pitchFamily="34" charset="-120"/>
-            </a:endParaRPr>
-          </a:p>
-        </p:txBody>
-      </p:sp>
-    </p:spTree>
-    <p:extLst>
-      <p:ext uri="{BB962C8B-B14F-4D97-AF65-F5344CB8AC3E}">
-        <p14:creationId xmlns:p14="http://schemas.microsoft.com/office/powerpoint/2010/main" val="1195441080"/>
-      </p:ext>
-    </p:extLst>
-  </p:cSld>
-  <p:clrMapOvr>
-    <a:masterClrMapping/>
-  </p:clrMapOvr>
-</p:sld>
-</file>
-
-<file path=ppt/slides/slide6.xml><?xml version="1.0" encoding="utf-8"?>
-<p:sld xmlns:a="http://schemas.openxmlformats.org/drawingml/2006/main" xmlns:r="http://schemas.openxmlformats.org/officeDocument/2006/relationships" xmlns:p="http://schemas.openxmlformats.org/presentationml/2006/main">
-  <p:cSld>
-    <p:spTree>
-      <p:nvGrpSpPr>
-        <p:cNvPr id="1" name=""/>
-        <p:cNvGrpSpPr/>
-        <p:nvPr/>
-      </p:nvGrpSpPr>
-      <p:grpSpPr>
-        <a:xfrm>
-          <a:off x="0" y="0"/>
-          <a:ext cx="0" cy="0"/>
-          <a:chOff x="0" y="0"/>
-          <a:chExt cx="0" cy="0"/>
-        </a:xfrm>
-      </p:grpSpPr>
-      <p:sp>
-        <p:nvSpPr>
-          <p:cNvPr id="3" name="內容版面配置區 2"/>
-          <p:cNvSpPr>
-            <a:spLocks noGrp="1"/>
-          </p:cNvSpPr>
-          <p:nvPr>
-            <p:ph idx="1"/>
-          </p:nvPr>
-        </p:nvSpPr>
-        <p:spPr>
-          <a:xfrm>
-            <a:off x="0" y="0"/>
-            <a:ext cx="11988800" cy="6858000"/>
-          </a:xfrm>
-        </p:spPr>
-        <p:txBody>
-          <a:bodyPr anchor="ctr">
-            <a:noAutofit/>
-          </a:bodyPr>
-          <a:lstStyle/>
-          <a:p>
-            <a:r>
               <a:rPr lang="zh-TW" altLang="en-US" sz="6400" b="1" dirty="0" smtClean="0">
                 <a:solidFill>
                   <a:srgbClr val="660033"/>
@@ -3807,7 +3710,7 @@
 </p:sld>
 </file>
 
-<file path=ppt/slides/slide7.xml><?xml version="1.0" encoding="utf-8"?>
+<file path=ppt/slides/slide6.xml><?xml version="1.0" encoding="utf-8"?>
 <p:sld xmlns:a="http://schemas.openxmlformats.org/drawingml/2006/main" xmlns:r="http://schemas.openxmlformats.org/officeDocument/2006/relationships" xmlns:p="http://schemas.openxmlformats.org/presentationml/2006/main">
   <p:cSld>
     <p:spTree>
